--- a/Slide_ITSA_Basics/ITSA Basics_31_35.pptx
+++ b/Slide_ITSA_Basics/ITSA Basics_31_35.pptx
@@ -7,15 +7,20 @@
   <p:sldIdLst>
     <p:sldId id="257" r:id="rId2"/>
     <p:sldId id="260" r:id="rId3"/>
-    <p:sldId id="270" r:id="rId4"/>
-    <p:sldId id="261" r:id="rId5"/>
-    <p:sldId id="265" r:id="rId6"/>
-    <p:sldId id="262" r:id="rId7"/>
-    <p:sldId id="259" r:id="rId8"/>
-    <p:sldId id="266" r:id="rId9"/>
-    <p:sldId id="268" r:id="rId10"/>
-    <p:sldId id="267" r:id="rId11"/>
-    <p:sldId id="269" r:id="rId12"/>
+    <p:sldId id="271" r:id="rId4"/>
+    <p:sldId id="270" r:id="rId5"/>
+    <p:sldId id="261" r:id="rId6"/>
+    <p:sldId id="272" r:id="rId7"/>
+    <p:sldId id="265" r:id="rId8"/>
+    <p:sldId id="262" r:id="rId9"/>
+    <p:sldId id="273" r:id="rId10"/>
+    <p:sldId id="259" r:id="rId11"/>
+    <p:sldId id="266" r:id="rId12"/>
+    <p:sldId id="274" r:id="rId13"/>
+    <p:sldId id="268" r:id="rId14"/>
+    <p:sldId id="267" r:id="rId15"/>
+    <p:sldId id="275" r:id="rId16"/>
+    <p:sldId id="269" r:id="rId17"/>
   </p:sldIdLst>
   <p:sldSz cx="9144000" cy="5715000" type="screen16x10"/>
   <p:notesSz cx="6858000" cy="9144000"/>
@@ -16258,7 +16263,7 @@
           <a:p>
             <a:fld id="{F6FA2B21-3FCD-4721-B95C-427943F61125}" type="datetime1">
               <a:rPr lang="en-US" smtClean="0"/>
-              <a:t>7/1/19</a:t>
+              <a:t>8/9/19</a:t>
             </a:fld>
             <a:endParaRPr lang="en-US"/>
           </a:p>
@@ -16438,7 +16443,7 @@
           <a:p>
             <a:fld id="{F6FA2B21-3FCD-4721-B95C-427943F61125}" type="datetime1">
               <a:rPr lang="en-US" smtClean="0"/>
-              <a:t>7/1/19</a:t>
+              <a:t>8/9/19</a:t>
             </a:fld>
             <a:endParaRPr lang="en-US"/>
           </a:p>
@@ -16619,7 +16624,7 @@
           <a:p>
             <a:fld id="{F6FA2B21-3FCD-4721-B95C-427943F61125}" type="datetime1">
               <a:rPr lang="en-US" smtClean="0"/>
-              <a:t>7/1/19</a:t>
+              <a:t>8/9/19</a:t>
             </a:fld>
             <a:endParaRPr lang="en-US"/>
           </a:p>
@@ -16790,7 +16795,7 @@
           <a:p>
             <a:fld id="{F6FA2B21-3FCD-4721-B95C-427943F61125}" type="datetime1">
               <a:rPr lang="en-US" smtClean="0"/>
-              <a:t>7/1/19</a:t>
+              <a:t>8/9/19</a:t>
             </a:fld>
             <a:endParaRPr lang="en-US"/>
           </a:p>
@@ -17112,7 +17117,7 @@
           <a:p>
             <a:fld id="{F6FA2B21-3FCD-4721-B95C-427943F61125}" type="datetime1">
               <a:rPr lang="en-US" smtClean="0"/>
-              <a:t>7/1/19</a:t>
+              <a:t>8/9/19</a:t>
             </a:fld>
             <a:endParaRPr lang="en-US"/>
           </a:p>
@@ -17573,7 +17578,7 @@
           <a:p>
             <a:fld id="{F6FA2B21-3FCD-4721-B95C-427943F61125}" type="datetime1">
               <a:rPr lang="en-US" smtClean="0"/>
-              <a:t>7/1/19</a:t>
+              <a:t>8/9/19</a:t>
             </a:fld>
             <a:endParaRPr lang="en-US"/>
           </a:p>
@@ -17985,7 +17990,7 @@
           <a:p>
             <a:fld id="{F6FA2B21-3FCD-4721-B95C-427943F61125}" type="datetime1">
               <a:rPr lang="en-US" smtClean="0"/>
-              <a:t>7/1/19</a:t>
+              <a:t>8/9/19</a:t>
             </a:fld>
             <a:endParaRPr lang="en-US"/>
           </a:p>
@@ -18104,7 +18109,7 @@
           <a:p>
             <a:fld id="{F6FA2B21-3FCD-4721-B95C-427943F61125}" type="datetime1">
               <a:rPr lang="en-US" smtClean="0"/>
-              <a:t>7/1/19</a:t>
+              <a:t>8/9/19</a:t>
             </a:fld>
             <a:endParaRPr lang="en-US"/>
           </a:p>
@@ -18223,7 +18228,7 @@
           <a:p>
             <a:fld id="{F6FA2B21-3FCD-4721-B95C-427943F61125}" type="datetime1">
               <a:rPr lang="en-US" smtClean="0"/>
-              <a:t>7/1/19</a:t>
+              <a:t>8/9/19</a:t>
             </a:fld>
             <a:endParaRPr lang="en-US"/>
           </a:p>
@@ -18582,7 +18587,7 @@
           <a:p>
             <a:fld id="{F6FA2B21-3FCD-4721-B95C-427943F61125}" type="datetime1">
               <a:rPr lang="en-US" smtClean="0"/>
-              <a:t>7/1/19</a:t>
+              <a:t>8/9/19</a:t>
             </a:fld>
             <a:endParaRPr lang="en-US"/>
           </a:p>
@@ -19090,7 +19095,7 @@
           <a:p>
             <a:fld id="{F6FA2B21-3FCD-4721-B95C-427943F61125}" type="datetime1">
               <a:rPr lang="en-US" smtClean="0"/>
-              <a:t>7/1/19</a:t>
+              <a:t>8/9/19</a:t>
             </a:fld>
             <a:endParaRPr lang="en-US"/>
           </a:p>
@@ -19446,7 +19451,7 @@
           <a:p>
             <a:fld id="{F6FA2B21-3FCD-4721-B95C-427943F61125}" type="datetime1">
               <a:rPr lang="en-US" smtClean="0"/>
-              <a:t>7/1/19</a:t>
+              <a:t>8/9/19</a:t>
             </a:fld>
             <a:endParaRPr lang="en-US"/>
           </a:p>
@@ -20176,6 +20181,315 @@
 <file path=ppt/slides/slide10.xml><?xml version="1.0" encoding="utf-8"?>
 <p:sld xmlns:a="http://schemas.openxmlformats.org/drawingml/2006/main" xmlns:r="http://schemas.openxmlformats.org/officeDocument/2006/relationships" xmlns:p="http://schemas.openxmlformats.org/presentationml/2006/main">
   <p:cSld>
+    <p:spTree>
+      <p:nvGrpSpPr>
+        <p:cNvPr id="1" name=""/>
+        <p:cNvGrpSpPr/>
+        <p:nvPr/>
+      </p:nvGrpSpPr>
+      <p:grpSpPr>
+        <a:xfrm>
+          <a:off x="0" y="0"/>
+          <a:ext cx="0" cy="0"/>
+          <a:chOff x="0" y="0"/>
+          <a:chExt cx="0" cy="0"/>
+        </a:xfrm>
+      </p:grpSpPr>
+      <p:pic>
+        <p:nvPicPr>
+          <p:cNvPr id="5" name="圖片 4">
+            <a:extLst>
+              <a:ext uri="{FF2B5EF4-FFF2-40B4-BE49-F238E27FC236}">
+                <a16:creationId xmlns:a16="http://schemas.microsoft.com/office/drawing/2014/main" id="{BCFC4DE2-3920-C543-A5C1-707F5D35EF0C}"/>
+              </a:ext>
+            </a:extLst>
+          </p:cNvPr>
+          <p:cNvPicPr>
+            <a:picLocks noChangeAspect="1"/>
+          </p:cNvPicPr>
+          <p:nvPr/>
+        </p:nvPicPr>
+        <p:blipFill>
+          <a:blip r:embed="rId2"/>
+          <a:stretch>
+            <a:fillRect/>
+          </a:stretch>
+        </p:blipFill>
+        <p:spPr>
+          <a:xfrm>
+            <a:off x="1136650" y="1955800"/>
+            <a:ext cx="6870700" cy="1803400"/>
+          </a:xfrm>
+          <a:prstGeom prst="rect">
+            <a:avLst/>
+          </a:prstGeom>
+          <a:ln>
+            <a:solidFill>
+              <a:schemeClr val="accent1"/>
+            </a:solidFill>
+          </a:ln>
+        </p:spPr>
+      </p:pic>
+    </p:spTree>
+    <p:extLst>
+      <p:ext uri="{BB962C8B-B14F-4D97-AF65-F5344CB8AC3E}">
+        <p14:creationId xmlns:p14="http://schemas.microsoft.com/office/powerpoint/2010/main" val="2823131167"/>
+      </p:ext>
+    </p:extLst>
+  </p:cSld>
+  <p:clrMapOvr>
+    <a:masterClrMapping/>
+  </p:clrMapOvr>
+</p:sld>
+</file>
+
+<file path=ppt/slides/slide11.xml><?xml version="1.0" encoding="utf-8"?>
+<p:sld xmlns:a="http://schemas.openxmlformats.org/drawingml/2006/main" xmlns:r="http://schemas.openxmlformats.org/officeDocument/2006/relationships" xmlns:p="http://schemas.openxmlformats.org/presentationml/2006/main">
+  <p:cSld>
+    <p:bg>
+      <p:bgPr>
+        <a:solidFill>
+          <a:schemeClr val="bg1"/>
+        </a:solidFill>
+        <a:effectLst/>
+      </p:bgPr>
+    </p:bg>
+    <p:spTree>
+      <p:nvGrpSpPr>
+        <p:cNvPr id="1" name=""/>
+        <p:cNvGrpSpPr/>
+        <p:nvPr/>
+      </p:nvGrpSpPr>
+      <p:grpSpPr>
+        <a:xfrm>
+          <a:off x="0" y="0"/>
+          <a:ext cx="0" cy="0"/>
+          <a:chOff x="0" y="0"/>
+          <a:chExt cx="0" cy="0"/>
+        </a:xfrm>
+      </p:grpSpPr>
+      <p:sp>
+        <p:nvSpPr>
+          <p:cNvPr id="2" name="標題 1">
+            <a:extLst>
+              <a:ext uri="{FF2B5EF4-FFF2-40B4-BE49-F238E27FC236}">
+                <a16:creationId xmlns:a16="http://schemas.microsoft.com/office/drawing/2014/main" id="{8C2840B5-9697-D44A-8CEC-C50B447D4D01}"/>
+              </a:ext>
+            </a:extLst>
+          </p:cNvPr>
+          <p:cNvSpPr>
+            <a:spLocks noGrp="1"/>
+          </p:cNvSpPr>
+          <p:nvPr>
+            <p:ph type="title"/>
+          </p:nvPr>
+        </p:nvSpPr>
+        <p:spPr>
+          <a:xfrm>
+            <a:off x="6359833" y="765573"/>
+            <a:ext cx="2284555" cy="3883033"/>
+          </a:xfrm>
+          <a:ln>
+            <a:noFill/>
+          </a:ln>
+        </p:spPr>
+        <p:txBody>
+          <a:bodyPr>
+            <a:normAutofit/>
+          </a:bodyPr>
+          <a:lstStyle/>
+          <a:p>
+            <a:r>
+              <a:rPr lang="zh-TW" altLang="en-US" sz="2400" b="1" dirty="0"/>
+              <a:t>題目</a:t>
+            </a:r>
+            <a:r>
+              <a:rPr lang="en-US" altLang="zh-TW" sz="2400" b="1" dirty="0"/>
+              <a:t>34. </a:t>
+            </a:r>
+            <a:r>
+              <a:rPr lang="zh-TW" altLang="en-US" sz="2400" b="1" dirty="0"/>
+              <a:t>標準體重計算</a:t>
+            </a:r>
+            <a:br>
+              <a:rPr lang="zh-TW" altLang="en-US" sz="2400" b="1" dirty="0"/>
+            </a:br>
+            <a:endParaRPr lang="zh-TW" altLang="en-US" sz="2400" b="1" dirty="0"/>
+          </a:p>
+        </p:txBody>
+      </p:sp>
+      <p:graphicFrame>
+        <p:nvGraphicFramePr>
+          <p:cNvPr id="5" name="內容版面配置區 2">
+            <a:extLst>
+              <a:ext uri="{FF2B5EF4-FFF2-40B4-BE49-F238E27FC236}">
+                <a16:creationId xmlns:a16="http://schemas.microsoft.com/office/drawing/2014/main" id="{B79F1320-04D0-4EA3-96DD-9006D69E9172}"/>
+              </a:ext>
+            </a:extLst>
+          </p:cNvPr>
+          <p:cNvGraphicFramePr>
+            <a:graphicFrameLocks noGrp="1"/>
+          </p:cNvGraphicFramePr>
+          <p:nvPr>
+            <p:ph idx="1"/>
+            <p:extLst>
+              <p:ext uri="{D42A27DB-BD31-4B8C-83A1-F6EECF244321}">
+                <p14:modId xmlns:p14="http://schemas.microsoft.com/office/powerpoint/2010/main" val="4034630363"/>
+              </p:ext>
+            </p:extLst>
+          </p:nvPr>
+        </p:nvGraphicFramePr>
+        <p:xfrm>
+          <a:off x="466725" y="765572"/>
+          <a:ext cx="4929188" cy="4191000"/>
+        </p:xfrm>
+        <a:graphic>
+          <a:graphicData uri="http://schemas.openxmlformats.org/drawingml/2006/diagram">
+            <dgm:relIds xmlns:dgm="http://schemas.openxmlformats.org/drawingml/2006/diagram" xmlns:r="http://schemas.openxmlformats.org/officeDocument/2006/relationships" r:dm="rId2" r:lo="rId3" r:qs="rId4" r:cs="rId5"/>
+          </a:graphicData>
+        </a:graphic>
+      </p:graphicFrame>
+    </p:spTree>
+    <p:extLst>
+      <p:ext uri="{BB962C8B-B14F-4D97-AF65-F5344CB8AC3E}">
+        <p14:creationId xmlns:p14="http://schemas.microsoft.com/office/powerpoint/2010/main" val="2402312671"/>
+      </p:ext>
+    </p:extLst>
+  </p:cSld>
+  <p:clrMapOvr>
+    <a:masterClrMapping/>
+  </p:clrMapOvr>
+</p:sld>
+</file>
+
+<file path=ppt/slides/slide12.xml><?xml version="1.0" encoding="utf-8"?>
+<p:sld xmlns:a="http://schemas.openxmlformats.org/drawingml/2006/main" xmlns:r="http://schemas.openxmlformats.org/officeDocument/2006/relationships" xmlns:p="http://schemas.openxmlformats.org/presentationml/2006/main">
+  <p:cSld>
+    <p:spTree>
+      <p:nvGrpSpPr>
+        <p:cNvPr id="1" name=""/>
+        <p:cNvGrpSpPr/>
+        <p:nvPr/>
+      </p:nvGrpSpPr>
+      <p:grpSpPr>
+        <a:xfrm>
+          <a:off x="0" y="0"/>
+          <a:ext cx="0" cy="0"/>
+          <a:chOff x="0" y="0"/>
+          <a:chExt cx="0" cy="0"/>
+        </a:xfrm>
+      </p:grpSpPr>
+      <p:pic>
+        <p:nvPicPr>
+          <p:cNvPr id="4" name="圖片 3">
+            <a:extLst>
+              <a:ext uri="{FF2B5EF4-FFF2-40B4-BE49-F238E27FC236}">
+                <a16:creationId xmlns:a16="http://schemas.microsoft.com/office/drawing/2014/main" id="{1C78E40C-D8CB-2E4B-8295-8AAB2B4BEF6E}"/>
+              </a:ext>
+            </a:extLst>
+          </p:cNvPr>
+          <p:cNvPicPr>
+            <a:picLocks noChangeAspect="1"/>
+          </p:cNvPicPr>
+          <p:nvPr/>
+        </p:nvPicPr>
+        <p:blipFill>
+          <a:blip r:embed="rId2"/>
+          <a:stretch>
+            <a:fillRect/>
+          </a:stretch>
+        </p:blipFill>
+        <p:spPr>
+          <a:xfrm>
+            <a:off x="0" y="383807"/>
+            <a:ext cx="9144000" cy="4947385"/>
+          </a:xfrm>
+          <a:prstGeom prst="rect">
+            <a:avLst/>
+          </a:prstGeom>
+        </p:spPr>
+      </p:pic>
+    </p:spTree>
+    <p:extLst>
+      <p:ext uri="{BB962C8B-B14F-4D97-AF65-F5344CB8AC3E}">
+        <p14:creationId xmlns:p14="http://schemas.microsoft.com/office/powerpoint/2010/main" val="2269189725"/>
+      </p:ext>
+    </p:extLst>
+  </p:cSld>
+  <p:clrMapOvr>
+    <a:masterClrMapping/>
+  </p:clrMapOvr>
+</p:sld>
+</file>
+
+<file path=ppt/slides/slide13.xml><?xml version="1.0" encoding="utf-8"?>
+<p:sld xmlns:a="http://schemas.openxmlformats.org/drawingml/2006/main" xmlns:r="http://schemas.openxmlformats.org/officeDocument/2006/relationships" xmlns:p="http://schemas.openxmlformats.org/presentationml/2006/main">
+  <p:cSld>
+    <p:spTree>
+      <p:nvGrpSpPr>
+        <p:cNvPr id="1" name=""/>
+        <p:cNvGrpSpPr/>
+        <p:nvPr/>
+      </p:nvGrpSpPr>
+      <p:grpSpPr>
+        <a:xfrm>
+          <a:off x="0" y="0"/>
+          <a:ext cx="0" cy="0"/>
+          <a:chOff x="0" y="0"/>
+          <a:chExt cx="0" cy="0"/>
+        </a:xfrm>
+      </p:grpSpPr>
+      <p:pic>
+        <p:nvPicPr>
+          <p:cNvPr id="10" name="圖片 9">
+            <a:extLst>
+              <a:ext uri="{FF2B5EF4-FFF2-40B4-BE49-F238E27FC236}">
+                <a16:creationId xmlns:a16="http://schemas.microsoft.com/office/drawing/2014/main" id="{758BEE0B-3E1F-8946-9F0B-33A313338675}"/>
+              </a:ext>
+            </a:extLst>
+          </p:cNvPr>
+          <p:cNvPicPr>
+            <a:picLocks noChangeAspect="1"/>
+          </p:cNvPicPr>
+          <p:nvPr/>
+        </p:nvPicPr>
+        <p:blipFill>
+          <a:blip r:embed="rId2"/>
+          <a:stretch>
+            <a:fillRect/>
+          </a:stretch>
+        </p:blipFill>
+        <p:spPr>
+          <a:xfrm>
+            <a:off x="1835150" y="1390650"/>
+            <a:ext cx="5473700" cy="2933700"/>
+          </a:xfrm>
+          <a:prstGeom prst="rect">
+            <a:avLst/>
+          </a:prstGeom>
+          <a:ln>
+            <a:solidFill>
+              <a:schemeClr val="accent1"/>
+            </a:solidFill>
+          </a:ln>
+        </p:spPr>
+      </p:pic>
+    </p:spTree>
+    <p:extLst>
+      <p:ext uri="{BB962C8B-B14F-4D97-AF65-F5344CB8AC3E}">
+        <p14:creationId xmlns:p14="http://schemas.microsoft.com/office/powerpoint/2010/main" val="3355254503"/>
+      </p:ext>
+    </p:extLst>
+  </p:cSld>
+  <p:clrMapOvr>
+    <a:masterClrMapping/>
+  </p:clrMapOvr>
+</p:sld>
+</file>
+
+<file path=ppt/slides/slide14.xml><?xml version="1.0" encoding="utf-8"?>
+<p:sld xmlns:a="http://schemas.openxmlformats.org/drawingml/2006/main" xmlns:r="http://schemas.openxmlformats.org/officeDocument/2006/relationships" xmlns:p="http://schemas.openxmlformats.org/presentationml/2006/main">
+  <p:cSld>
     <p:bg>
       <p:bgPr>
         <a:solidFill>
@@ -20288,7 +20602,67 @@
 </p:sld>
 </file>
 
-<file path=ppt/slides/slide11.xml><?xml version="1.0" encoding="utf-8"?>
+<file path=ppt/slides/slide15.xml><?xml version="1.0" encoding="utf-8"?>
+<p:sld xmlns:a="http://schemas.openxmlformats.org/drawingml/2006/main" xmlns:r="http://schemas.openxmlformats.org/officeDocument/2006/relationships" xmlns:p="http://schemas.openxmlformats.org/presentationml/2006/main">
+  <p:cSld>
+    <p:spTree>
+      <p:nvGrpSpPr>
+        <p:cNvPr id="1" name=""/>
+        <p:cNvGrpSpPr/>
+        <p:nvPr/>
+      </p:nvGrpSpPr>
+      <p:grpSpPr>
+        <a:xfrm>
+          <a:off x="0" y="0"/>
+          <a:ext cx="0" cy="0"/>
+          <a:chOff x="0" y="0"/>
+          <a:chExt cx="0" cy="0"/>
+        </a:xfrm>
+      </p:grpSpPr>
+      <p:pic>
+        <p:nvPicPr>
+          <p:cNvPr id="4" name="圖片 3">
+            <a:extLst>
+              <a:ext uri="{FF2B5EF4-FFF2-40B4-BE49-F238E27FC236}">
+                <a16:creationId xmlns:a16="http://schemas.microsoft.com/office/drawing/2014/main" id="{3D0698DD-ED72-C74D-883B-808C3ECCFCD5}"/>
+              </a:ext>
+            </a:extLst>
+          </p:cNvPr>
+          <p:cNvPicPr>
+            <a:picLocks noChangeAspect="1"/>
+          </p:cNvPicPr>
+          <p:nvPr/>
+        </p:nvPicPr>
+        <p:blipFill>
+          <a:blip r:embed="rId2"/>
+          <a:stretch>
+            <a:fillRect/>
+          </a:stretch>
+        </p:blipFill>
+        <p:spPr>
+          <a:xfrm>
+            <a:off x="0" y="272208"/>
+            <a:ext cx="9144000" cy="5170583"/>
+          </a:xfrm>
+          <a:prstGeom prst="rect">
+            <a:avLst/>
+          </a:prstGeom>
+        </p:spPr>
+      </p:pic>
+    </p:spTree>
+    <p:extLst>
+      <p:ext uri="{BB962C8B-B14F-4D97-AF65-F5344CB8AC3E}">
+        <p14:creationId xmlns:p14="http://schemas.microsoft.com/office/powerpoint/2010/main" val="1443818062"/>
+      </p:ext>
+    </p:extLst>
+  </p:cSld>
+  <p:clrMapOvr>
+    <a:masterClrMapping/>
+  </p:clrMapOvr>
+</p:sld>
+</file>
+
+<file path=ppt/slides/slide16.xml><?xml version="1.0" encoding="utf-8"?>
 <p:sld xmlns:a="http://schemas.openxmlformats.org/drawingml/2006/main" xmlns:r="http://schemas.openxmlformats.org/officeDocument/2006/relationships" xmlns:p="http://schemas.openxmlformats.org/presentationml/2006/main">
   <p:cSld>
     <p:spTree>
@@ -20327,7 +20701,7 @@
         </p:blipFill>
         <p:spPr>
           <a:xfrm>
-            <a:off x="357142" y="491383"/>
+            <a:off x="1562100" y="1371600"/>
             <a:ext cx="6019800" cy="2971800"/>
           </a:xfrm>
           <a:prstGeom prst="rect">
@@ -20500,6 +20874,66 @@
       </p:grpSpPr>
       <p:pic>
         <p:nvPicPr>
+          <p:cNvPr id="4" name="圖片 3">
+            <a:extLst>
+              <a:ext uri="{FF2B5EF4-FFF2-40B4-BE49-F238E27FC236}">
+                <a16:creationId xmlns:a16="http://schemas.microsoft.com/office/drawing/2014/main" id="{EC5F827D-531B-B748-B6F1-F75CDEDD5712}"/>
+              </a:ext>
+            </a:extLst>
+          </p:cNvPr>
+          <p:cNvPicPr>
+            <a:picLocks noChangeAspect="1"/>
+          </p:cNvPicPr>
+          <p:nvPr/>
+        </p:nvPicPr>
+        <p:blipFill>
+          <a:blip r:embed="rId2"/>
+          <a:stretch>
+            <a:fillRect/>
+          </a:stretch>
+        </p:blipFill>
+        <p:spPr>
+          <a:xfrm>
+            <a:off x="420872" y="0"/>
+            <a:ext cx="8302256" cy="5715000"/>
+          </a:xfrm>
+          <a:prstGeom prst="rect">
+            <a:avLst/>
+          </a:prstGeom>
+        </p:spPr>
+      </p:pic>
+    </p:spTree>
+    <p:extLst>
+      <p:ext uri="{BB962C8B-B14F-4D97-AF65-F5344CB8AC3E}">
+        <p14:creationId xmlns:p14="http://schemas.microsoft.com/office/powerpoint/2010/main" val="4158743921"/>
+      </p:ext>
+    </p:extLst>
+  </p:cSld>
+  <p:clrMapOvr>
+    <a:masterClrMapping/>
+  </p:clrMapOvr>
+</p:sld>
+</file>
+
+<file path=ppt/slides/slide4.xml><?xml version="1.0" encoding="utf-8"?>
+<p:sld xmlns:a="http://schemas.openxmlformats.org/drawingml/2006/main" xmlns:r="http://schemas.openxmlformats.org/officeDocument/2006/relationships" xmlns:p="http://schemas.openxmlformats.org/presentationml/2006/main">
+  <p:cSld>
+    <p:spTree>
+      <p:nvGrpSpPr>
+        <p:cNvPr id="1" name=""/>
+        <p:cNvGrpSpPr/>
+        <p:nvPr/>
+      </p:nvGrpSpPr>
+      <p:grpSpPr>
+        <a:xfrm>
+          <a:off x="0" y="0"/>
+          <a:ext cx="0" cy="0"/>
+          <a:chOff x="0" y="0"/>
+          <a:chExt cx="0" cy="0"/>
+        </a:xfrm>
+      </p:grpSpPr>
+      <p:pic>
+        <p:nvPicPr>
           <p:cNvPr id="10" name="圖片 9">
             <a:extLst>
               <a:ext uri="{FF2B5EF4-FFF2-40B4-BE49-F238E27FC236}">
@@ -20546,7 +20980,7 @@
 </p:sld>
 </file>
 
-<file path=ppt/slides/slide4.xml><?xml version="1.0" encoding="utf-8"?>
+<file path=ppt/slides/slide5.xml><?xml version="1.0" encoding="utf-8"?>
 <p:sld xmlns:a="http://schemas.openxmlformats.org/drawingml/2006/main" xmlns:r="http://schemas.openxmlformats.org/officeDocument/2006/relationships" xmlns:p="http://schemas.openxmlformats.org/presentationml/2006/main">
   <p:cSld>
     <p:bg>
@@ -20661,7 +21095,67 @@
 </p:sld>
 </file>
 
-<file path=ppt/slides/slide5.xml><?xml version="1.0" encoding="utf-8"?>
+<file path=ppt/slides/slide6.xml><?xml version="1.0" encoding="utf-8"?>
+<p:sld xmlns:a="http://schemas.openxmlformats.org/drawingml/2006/main" xmlns:r="http://schemas.openxmlformats.org/officeDocument/2006/relationships" xmlns:p="http://schemas.openxmlformats.org/presentationml/2006/main">
+  <p:cSld>
+    <p:spTree>
+      <p:nvGrpSpPr>
+        <p:cNvPr id="1" name=""/>
+        <p:cNvGrpSpPr/>
+        <p:nvPr/>
+      </p:nvGrpSpPr>
+      <p:grpSpPr>
+        <a:xfrm>
+          <a:off x="0" y="0"/>
+          <a:ext cx="0" cy="0"/>
+          <a:chOff x="0" y="0"/>
+          <a:chExt cx="0" cy="0"/>
+        </a:xfrm>
+      </p:grpSpPr>
+      <p:pic>
+        <p:nvPicPr>
+          <p:cNvPr id="4" name="圖片 3">
+            <a:extLst>
+              <a:ext uri="{FF2B5EF4-FFF2-40B4-BE49-F238E27FC236}">
+                <a16:creationId xmlns:a16="http://schemas.microsoft.com/office/drawing/2014/main" id="{42CAEC34-AA68-FF4A-B7C5-90F61E015205}"/>
+              </a:ext>
+            </a:extLst>
+          </p:cNvPr>
+          <p:cNvPicPr>
+            <a:picLocks noChangeAspect="1"/>
+          </p:cNvPicPr>
+          <p:nvPr/>
+        </p:nvPicPr>
+        <p:blipFill>
+          <a:blip r:embed="rId2"/>
+          <a:stretch>
+            <a:fillRect/>
+          </a:stretch>
+        </p:blipFill>
+        <p:spPr>
+          <a:xfrm>
+            <a:off x="0" y="321154"/>
+            <a:ext cx="9144000" cy="5072691"/>
+          </a:xfrm>
+          <a:prstGeom prst="rect">
+            <a:avLst/>
+          </a:prstGeom>
+        </p:spPr>
+      </p:pic>
+    </p:spTree>
+    <p:extLst>
+      <p:ext uri="{BB962C8B-B14F-4D97-AF65-F5344CB8AC3E}">
+        <p14:creationId xmlns:p14="http://schemas.microsoft.com/office/powerpoint/2010/main" val="1284468841"/>
+      </p:ext>
+    </p:extLst>
+  </p:cSld>
+  <p:clrMapOvr>
+    <a:masterClrMapping/>
+  </p:clrMapOvr>
+</p:sld>
+</file>
+
+<file path=ppt/slides/slide7.xml><?xml version="1.0" encoding="utf-8"?>
 <p:sld xmlns:a="http://schemas.openxmlformats.org/drawingml/2006/main" xmlns:r="http://schemas.openxmlformats.org/officeDocument/2006/relationships" xmlns:p="http://schemas.openxmlformats.org/presentationml/2006/main">
   <p:cSld>
     <p:spTree>
@@ -20726,7 +21220,7 @@
 </p:sld>
 </file>
 
-<file path=ppt/slides/slide6.xml><?xml version="1.0" encoding="utf-8"?>
+<file path=ppt/slides/slide8.xml><?xml version="1.0" encoding="utf-8"?>
 <p:sld xmlns:a="http://schemas.openxmlformats.org/drawingml/2006/main" xmlns:r="http://schemas.openxmlformats.org/officeDocument/2006/relationships" xmlns:p="http://schemas.openxmlformats.org/presentationml/2006/main">
   <p:cSld>
     <p:bg>
@@ -20845,190 +21339,6 @@
 </p:sld>
 </file>
 
-<file path=ppt/slides/slide7.xml><?xml version="1.0" encoding="utf-8"?>
-<p:sld xmlns:a="http://schemas.openxmlformats.org/drawingml/2006/main" xmlns:r="http://schemas.openxmlformats.org/officeDocument/2006/relationships" xmlns:p="http://schemas.openxmlformats.org/presentationml/2006/main">
-  <p:cSld>
-    <p:spTree>
-      <p:nvGrpSpPr>
-        <p:cNvPr id="1" name=""/>
-        <p:cNvGrpSpPr/>
-        <p:nvPr/>
-      </p:nvGrpSpPr>
-      <p:grpSpPr>
-        <a:xfrm>
-          <a:off x="0" y="0"/>
-          <a:ext cx="0" cy="0"/>
-          <a:chOff x="0" y="0"/>
-          <a:chExt cx="0" cy="0"/>
-        </a:xfrm>
-      </p:grpSpPr>
-      <p:pic>
-        <p:nvPicPr>
-          <p:cNvPr id="5" name="圖片 4">
-            <a:extLst>
-              <a:ext uri="{FF2B5EF4-FFF2-40B4-BE49-F238E27FC236}">
-                <a16:creationId xmlns:a16="http://schemas.microsoft.com/office/drawing/2014/main" id="{BCFC4DE2-3920-C543-A5C1-707F5D35EF0C}"/>
-              </a:ext>
-            </a:extLst>
-          </p:cNvPr>
-          <p:cNvPicPr>
-            <a:picLocks noChangeAspect="1"/>
-          </p:cNvPicPr>
-          <p:nvPr/>
-        </p:nvPicPr>
-        <p:blipFill>
-          <a:blip r:embed="rId2"/>
-          <a:stretch>
-            <a:fillRect/>
-          </a:stretch>
-        </p:blipFill>
-        <p:spPr>
-          <a:xfrm>
-            <a:off x="307708" y="357736"/>
-            <a:ext cx="6870700" cy="1803400"/>
-          </a:xfrm>
-          <a:prstGeom prst="rect">
-            <a:avLst/>
-          </a:prstGeom>
-          <a:ln>
-            <a:solidFill>
-              <a:schemeClr val="accent1"/>
-            </a:solidFill>
-          </a:ln>
-        </p:spPr>
-      </p:pic>
-    </p:spTree>
-    <p:extLst>
-      <p:ext uri="{BB962C8B-B14F-4D97-AF65-F5344CB8AC3E}">
-        <p14:creationId xmlns:p14="http://schemas.microsoft.com/office/powerpoint/2010/main" val="2823131167"/>
-      </p:ext>
-    </p:extLst>
-  </p:cSld>
-  <p:clrMapOvr>
-    <a:masterClrMapping/>
-  </p:clrMapOvr>
-</p:sld>
-</file>
-
-<file path=ppt/slides/slide8.xml><?xml version="1.0" encoding="utf-8"?>
-<p:sld xmlns:a="http://schemas.openxmlformats.org/drawingml/2006/main" xmlns:r="http://schemas.openxmlformats.org/officeDocument/2006/relationships" xmlns:p="http://schemas.openxmlformats.org/presentationml/2006/main">
-  <p:cSld>
-    <p:bg>
-      <p:bgPr>
-        <a:solidFill>
-          <a:schemeClr val="bg1"/>
-        </a:solidFill>
-        <a:effectLst/>
-      </p:bgPr>
-    </p:bg>
-    <p:spTree>
-      <p:nvGrpSpPr>
-        <p:cNvPr id="1" name=""/>
-        <p:cNvGrpSpPr/>
-        <p:nvPr/>
-      </p:nvGrpSpPr>
-      <p:grpSpPr>
-        <a:xfrm>
-          <a:off x="0" y="0"/>
-          <a:ext cx="0" cy="0"/>
-          <a:chOff x="0" y="0"/>
-          <a:chExt cx="0" cy="0"/>
-        </a:xfrm>
-      </p:grpSpPr>
-      <p:sp>
-        <p:nvSpPr>
-          <p:cNvPr id="2" name="標題 1">
-            <a:extLst>
-              <a:ext uri="{FF2B5EF4-FFF2-40B4-BE49-F238E27FC236}">
-                <a16:creationId xmlns:a16="http://schemas.microsoft.com/office/drawing/2014/main" id="{8C2840B5-9697-D44A-8CEC-C50B447D4D01}"/>
-              </a:ext>
-            </a:extLst>
-          </p:cNvPr>
-          <p:cNvSpPr>
-            <a:spLocks noGrp="1"/>
-          </p:cNvSpPr>
-          <p:nvPr>
-            <p:ph type="title"/>
-          </p:nvPr>
-        </p:nvSpPr>
-        <p:spPr>
-          <a:xfrm>
-            <a:off x="6359833" y="765573"/>
-            <a:ext cx="2284555" cy="3883033"/>
-          </a:xfrm>
-          <a:ln>
-            <a:noFill/>
-          </a:ln>
-        </p:spPr>
-        <p:txBody>
-          <a:bodyPr>
-            <a:normAutofit/>
-          </a:bodyPr>
-          <a:lstStyle/>
-          <a:p>
-            <a:r>
-              <a:rPr lang="zh-TW" altLang="en-US" sz="2400" b="1" dirty="0"/>
-              <a:t>題目</a:t>
-            </a:r>
-            <a:r>
-              <a:rPr lang="en-US" altLang="zh-TW" sz="2400" b="1" dirty="0"/>
-              <a:t>34. </a:t>
-            </a:r>
-            <a:r>
-              <a:rPr lang="zh-TW" altLang="en-US" sz="2400" b="1" dirty="0"/>
-              <a:t>標準體重計算</a:t>
-            </a:r>
-            <a:br>
-              <a:rPr lang="zh-TW" altLang="en-US" sz="2400" b="1" dirty="0"/>
-            </a:br>
-            <a:endParaRPr lang="zh-TW" altLang="en-US" sz="2400" b="1" dirty="0"/>
-          </a:p>
-        </p:txBody>
-      </p:sp>
-      <p:graphicFrame>
-        <p:nvGraphicFramePr>
-          <p:cNvPr id="5" name="內容版面配置區 2">
-            <a:extLst>
-              <a:ext uri="{FF2B5EF4-FFF2-40B4-BE49-F238E27FC236}">
-                <a16:creationId xmlns:a16="http://schemas.microsoft.com/office/drawing/2014/main" id="{B79F1320-04D0-4EA3-96DD-9006D69E9172}"/>
-              </a:ext>
-            </a:extLst>
-          </p:cNvPr>
-          <p:cNvGraphicFramePr>
-            <a:graphicFrameLocks noGrp="1"/>
-          </p:cNvGraphicFramePr>
-          <p:nvPr>
-            <p:ph idx="1"/>
-            <p:extLst>
-              <p:ext uri="{D42A27DB-BD31-4B8C-83A1-F6EECF244321}">
-                <p14:modId xmlns:p14="http://schemas.microsoft.com/office/powerpoint/2010/main" val="4034630363"/>
-              </p:ext>
-            </p:extLst>
-          </p:nvPr>
-        </p:nvGraphicFramePr>
-        <p:xfrm>
-          <a:off x="466725" y="765572"/>
-          <a:ext cx="4929188" cy="4191000"/>
-        </p:xfrm>
-        <a:graphic>
-          <a:graphicData uri="http://schemas.openxmlformats.org/drawingml/2006/diagram">
-            <dgm:relIds xmlns:dgm="http://schemas.openxmlformats.org/drawingml/2006/diagram" xmlns:r="http://schemas.openxmlformats.org/officeDocument/2006/relationships" r:dm="rId2" r:lo="rId3" r:qs="rId4" r:cs="rId5"/>
-          </a:graphicData>
-        </a:graphic>
-      </p:graphicFrame>
-    </p:spTree>
-    <p:extLst>
-      <p:ext uri="{BB962C8B-B14F-4D97-AF65-F5344CB8AC3E}">
-        <p14:creationId xmlns:p14="http://schemas.microsoft.com/office/powerpoint/2010/main" val="2402312671"/>
-      </p:ext>
-    </p:extLst>
-  </p:cSld>
-  <p:clrMapOvr>
-    <a:masterClrMapping/>
-  </p:clrMapOvr>
-</p:sld>
-</file>
-
 <file path=ppt/slides/slide9.xml><?xml version="1.0" encoding="utf-8"?>
 <p:sld xmlns:a="http://schemas.openxmlformats.org/drawingml/2006/main" xmlns:r="http://schemas.openxmlformats.org/officeDocument/2006/relationships" xmlns:p="http://schemas.openxmlformats.org/presentationml/2006/main">
   <p:cSld>
@@ -21048,10 +21358,10 @@
       </p:grpSpPr>
       <p:pic>
         <p:nvPicPr>
-          <p:cNvPr id="10" name="圖片 9">
+          <p:cNvPr id="4" name="圖片 3">
             <a:extLst>
               <a:ext uri="{FF2B5EF4-FFF2-40B4-BE49-F238E27FC236}">
-                <a16:creationId xmlns:a16="http://schemas.microsoft.com/office/drawing/2014/main" id="{758BEE0B-3E1F-8946-9F0B-33A313338675}"/>
+                <a16:creationId xmlns:a16="http://schemas.microsoft.com/office/drawing/2014/main" id="{B77E7801-F480-FB4D-BAA1-4D5E0C760471}"/>
               </a:ext>
             </a:extLst>
           </p:cNvPr>
@@ -21068,23 +21378,18 @@
         </p:blipFill>
         <p:spPr>
           <a:xfrm>
-            <a:off x="433639" y="416430"/>
-            <a:ext cx="5473700" cy="2933700"/>
+            <a:off x="694811" y="0"/>
+            <a:ext cx="7754378" cy="5715000"/>
           </a:xfrm>
           <a:prstGeom prst="rect">
             <a:avLst/>
           </a:prstGeom>
-          <a:ln>
-            <a:solidFill>
-              <a:schemeClr val="accent1"/>
-            </a:solidFill>
-          </a:ln>
         </p:spPr>
       </p:pic>
     </p:spTree>
     <p:extLst>
       <p:ext uri="{BB962C8B-B14F-4D97-AF65-F5344CB8AC3E}">
-        <p14:creationId xmlns:p14="http://schemas.microsoft.com/office/powerpoint/2010/main" val="3355254503"/>
+        <p14:creationId xmlns:p14="http://schemas.microsoft.com/office/powerpoint/2010/main" val="1282115411"/>
       </p:ext>
     </p:extLst>
   </p:cSld>

--- a/Slide_ITSA_Basics/ITSA Basics_31_35.pptx
+++ b/Slide_ITSA_Basics/ITSA Basics_31_35.pptx
@@ -21,6 +21,7 @@
     <p:sldId id="267" r:id="rId15"/>
     <p:sldId id="275" r:id="rId16"/>
     <p:sldId id="269" r:id="rId17"/>
+    <p:sldId id="276" r:id="rId18"/>
   </p:sldIdLst>
   <p:sldSz cx="9144000" cy="5715000" type="screen16x10"/>
   <p:notesSz cx="6858000" cy="9144000"/>
@@ -16263,7 +16264,7 @@
           <a:p>
             <a:fld id="{F6FA2B21-3FCD-4721-B95C-427943F61125}" type="datetime1">
               <a:rPr lang="en-US" smtClean="0"/>
-              <a:t>8/9/19</a:t>
+              <a:t>8/16/19</a:t>
             </a:fld>
             <a:endParaRPr lang="en-US"/>
           </a:p>
@@ -16443,7 +16444,7 @@
           <a:p>
             <a:fld id="{F6FA2B21-3FCD-4721-B95C-427943F61125}" type="datetime1">
               <a:rPr lang="en-US" smtClean="0"/>
-              <a:t>8/9/19</a:t>
+              <a:t>8/16/19</a:t>
             </a:fld>
             <a:endParaRPr lang="en-US"/>
           </a:p>
@@ -16624,7 +16625,7 @@
           <a:p>
             <a:fld id="{F6FA2B21-3FCD-4721-B95C-427943F61125}" type="datetime1">
               <a:rPr lang="en-US" smtClean="0"/>
-              <a:t>8/9/19</a:t>
+              <a:t>8/16/19</a:t>
             </a:fld>
             <a:endParaRPr lang="en-US"/>
           </a:p>
@@ -16795,7 +16796,7 @@
           <a:p>
             <a:fld id="{F6FA2B21-3FCD-4721-B95C-427943F61125}" type="datetime1">
               <a:rPr lang="en-US" smtClean="0"/>
-              <a:t>8/9/19</a:t>
+              <a:t>8/16/19</a:t>
             </a:fld>
             <a:endParaRPr lang="en-US"/>
           </a:p>
@@ -17117,7 +17118,7 @@
           <a:p>
             <a:fld id="{F6FA2B21-3FCD-4721-B95C-427943F61125}" type="datetime1">
               <a:rPr lang="en-US" smtClean="0"/>
-              <a:t>8/9/19</a:t>
+              <a:t>8/16/19</a:t>
             </a:fld>
             <a:endParaRPr lang="en-US"/>
           </a:p>
@@ -17578,7 +17579,7 @@
           <a:p>
             <a:fld id="{F6FA2B21-3FCD-4721-B95C-427943F61125}" type="datetime1">
               <a:rPr lang="en-US" smtClean="0"/>
-              <a:t>8/9/19</a:t>
+              <a:t>8/16/19</a:t>
             </a:fld>
             <a:endParaRPr lang="en-US"/>
           </a:p>
@@ -17990,7 +17991,7 @@
           <a:p>
             <a:fld id="{F6FA2B21-3FCD-4721-B95C-427943F61125}" type="datetime1">
               <a:rPr lang="en-US" smtClean="0"/>
-              <a:t>8/9/19</a:t>
+              <a:t>8/16/19</a:t>
             </a:fld>
             <a:endParaRPr lang="en-US"/>
           </a:p>
@@ -18109,7 +18110,7 @@
           <a:p>
             <a:fld id="{F6FA2B21-3FCD-4721-B95C-427943F61125}" type="datetime1">
               <a:rPr lang="en-US" smtClean="0"/>
-              <a:t>8/9/19</a:t>
+              <a:t>8/16/19</a:t>
             </a:fld>
             <a:endParaRPr lang="en-US"/>
           </a:p>
@@ -18228,7 +18229,7 @@
           <a:p>
             <a:fld id="{F6FA2B21-3FCD-4721-B95C-427943F61125}" type="datetime1">
               <a:rPr lang="en-US" smtClean="0"/>
-              <a:t>8/9/19</a:t>
+              <a:t>8/16/19</a:t>
             </a:fld>
             <a:endParaRPr lang="en-US"/>
           </a:p>
@@ -18587,7 +18588,7 @@
           <a:p>
             <a:fld id="{F6FA2B21-3FCD-4721-B95C-427943F61125}" type="datetime1">
               <a:rPr lang="en-US" smtClean="0"/>
-              <a:t>8/9/19</a:t>
+              <a:t>8/16/19</a:t>
             </a:fld>
             <a:endParaRPr lang="en-US"/>
           </a:p>
@@ -19095,7 +19096,7 @@
           <a:p>
             <a:fld id="{F6FA2B21-3FCD-4721-B95C-427943F61125}" type="datetime1">
               <a:rPr lang="en-US" smtClean="0"/>
-              <a:t>8/9/19</a:t>
+              <a:t>8/16/19</a:t>
             </a:fld>
             <a:endParaRPr lang="en-US"/>
           </a:p>
@@ -19451,7 +19452,7 @@
           <a:p>
             <a:fld id="{F6FA2B21-3FCD-4721-B95C-427943F61125}" type="datetime1">
               <a:rPr lang="en-US" smtClean="0"/>
-              <a:t>8/9/19</a:t>
+              <a:t>8/16/19</a:t>
             </a:fld>
             <a:endParaRPr lang="en-US"/>
           </a:p>
@@ -20727,6 +20728,133 @@
 </p:sld>
 </file>
 
+<file path=ppt/slides/slide17.xml><?xml version="1.0" encoding="utf-8"?>
+<p:sld xmlns:a="http://schemas.openxmlformats.org/drawingml/2006/main" xmlns:r="http://schemas.openxmlformats.org/officeDocument/2006/relationships" xmlns:p="http://schemas.openxmlformats.org/presentationml/2006/main">
+  <p:cSld>
+    <p:spTree>
+      <p:nvGrpSpPr>
+        <p:cNvPr id="1" name=""/>
+        <p:cNvGrpSpPr/>
+        <p:nvPr/>
+      </p:nvGrpSpPr>
+      <p:grpSpPr>
+        <a:xfrm>
+          <a:off x="0" y="0"/>
+          <a:ext cx="0" cy="0"/>
+          <a:chOff x="0" y="0"/>
+          <a:chExt cx="0" cy="0"/>
+        </a:xfrm>
+      </p:grpSpPr>
+      <p:pic>
+        <p:nvPicPr>
+          <p:cNvPr id="2" name="圖片 1">
+            <a:extLst>
+              <a:ext uri="{FF2B5EF4-FFF2-40B4-BE49-F238E27FC236}">
+                <a16:creationId xmlns:a16="http://schemas.microsoft.com/office/drawing/2014/main" id="{B975DC92-456A-8C4A-99B5-A21BADAF14E0}"/>
+              </a:ext>
+            </a:extLst>
+          </p:cNvPr>
+          <p:cNvPicPr>
+            <a:picLocks noChangeAspect="1"/>
+          </p:cNvPicPr>
+          <p:nvPr/>
+        </p:nvPicPr>
+        <p:blipFill>
+          <a:blip r:embed="rId2"/>
+          <a:stretch>
+            <a:fillRect/>
+          </a:stretch>
+        </p:blipFill>
+        <p:spPr>
+          <a:xfrm>
+            <a:off x="797814" y="1744980"/>
+            <a:ext cx="7205118" cy="3745897"/>
+          </a:xfrm>
+          <a:prstGeom prst="rect">
+            <a:avLst/>
+          </a:prstGeom>
+        </p:spPr>
+      </p:pic>
+      <p:sp>
+        <p:nvSpPr>
+          <p:cNvPr id="3" name="標題 2">
+            <a:extLst>
+              <a:ext uri="{FF2B5EF4-FFF2-40B4-BE49-F238E27FC236}">
+                <a16:creationId xmlns:a16="http://schemas.microsoft.com/office/drawing/2014/main" id="{2605D84F-20CE-B340-81D4-FFF703072EBF}"/>
+              </a:ext>
+            </a:extLst>
+          </p:cNvPr>
+          <p:cNvSpPr>
+            <a:spLocks noGrp="1"/>
+          </p:cNvSpPr>
+          <p:nvPr>
+            <p:ph type="title"/>
+          </p:nvPr>
+        </p:nvSpPr>
+        <p:spPr/>
+        <p:txBody>
+          <a:bodyPr/>
+          <a:lstStyle/>
+          <a:p>
+            <a:r>
+              <a:rPr kumimoji="1" lang="en-US" altLang="zh-TW" dirty="0"/>
+              <a:t>ITSA #66</a:t>
+            </a:r>
+            <a:endParaRPr kumimoji="1" lang="zh-TW" altLang="en-US" dirty="0"/>
+          </a:p>
+        </p:txBody>
+      </p:sp>
+      <p:sp>
+        <p:nvSpPr>
+          <p:cNvPr id="4" name="文字方塊 3">
+            <a:extLst>
+              <a:ext uri="{FF2B5EF4-FFF2-40B4-BE49-F238E27FC236}">
+                <a16:creationId xmlns:a16="http://schemas.microsoft.com/office/drawing/2014/main" id="{E34E6D4F-7318-9B46-B222-417176769699}"/>
+              </a:ext>
+            </a:extLst>
+          </p:cNvPr>
+          <p:cNvSpPr txBox="1"/>
+          <p:nvPr/>
+        </p:nvSpPr>
+        <p:spPr>
+          <a:xfrm>
+            <a:off x="797814" y="39457"/>
+            <a:ext cx="6583725" cy="369332"/>
+          </a:xfrm>
+          <a:prstGeom prst="rect">
+            <a:avLst/>
+          </a:prstGeom>
+          <a:noFill/>
+        </p:spPr>
+        <p:txBody>
+          <a:bodyPr wrap="none" rtlCol="0">
+            <a:spAutoFit/>
+          </a:bodyPr>
+          <a:lstStyle/>
+          <a:p>
+            <a:r>
+              <a:rPr lang="en" altLang="zh-TW" dirty="0">
+                <a:hlinkClick r:id="rId3"/>
+              </a:rPr>
+              <a:t>https://e-tutor.itsa.org.tw/e-Tutor/course/view.php?id=1963</a:t>
+            </a:r>
+            <a:endParaRPr kumimoji="1" lang="zh-TW" altLang="en-US" dirty="0"/>
+          </a:p>
+        </p:txBody>
+      </p:sp>
+    </p:spTree>
+    <p:extLst>
+      <p:ext uri="{BB962C8B-B14F-4D97-AF65-F5344CB8AC3E}">
+        <p14:creationId xmlns:p14="http://schemas.microsoft.com/office/powerpoint/2010/main" val="1229557287"/>
+      </p:ext>
+    </p:extLst>
+  </p:cSld>
+  <p:clrMapOvr>
+    <a:masterClrMapping/>
+  </p:clrMapOvr>
+</p:sld>
+</file>
+
 <file path=ppt/slides/slide2.xml><?xml version="1.0" encoding="utf-8"?>
 <p:sld xmlns:a="http://schemas.openxmlformats.org/drawingml/2006/main" xmlns:r="http://schemas.openxmlformats.org/officeDocument/2006/relationships" xmlns:p="http://schemas.openxmlformats.org/presentationml/2006/main">
   <p:cSld>
@@ -20932,41 +21060,270 @@
           <a:chExt cx="0" cy="0"/>
         </a:xfrm>
       </p:grpSpPr>
-      <p:pic>
-        <p:nvPicPr>
-          <p:cNvPr id="10" name="圖片 9">
+      <p:sp>
+        <p:nvSpPr>
+          <p:cNvPr id="2" name="文字方塊 1">
             <a:extLst>
               <a:ext uri="{FF2B5EF4-FFF2-40B4-BE49-F238E27FC236}">
-                <a16:creationId xmlns:a16="http://schemas.microsoft.com/office/drawing/2014/main" id="{96E6F79B-CD40-4341-98F3-16E5F056AD18}"/>
+                <a16:creationId xmlns:a16="http://schemas.microsoft.com/office/drawing/2014/main" id="{CB77AFE8-03F8-C941-A7D2-CBC47FED79E9}"/>
               </a:ext>
             </a:extLst>
           </p:cNvPr>
-          <p:cNvPicPr>
-            <a:picLocks noChangeAspect="1"/>
-          </p:cNvPicPr>
+          <p:cNvSpPr txBox="1"/>
           <p:nvPr/>
-        </p:nvPicPr>
-        <p:blipFill>
-          <a:blip r:embed="rId2"/>
-          <a:stretch>
-            <a:fillRect/>
-          </a:stretch>
-        </p:blipFill>
+        </p:nvSpPr>
         <p:spPr>
           <a:xfrm>
-            <a:off x="958850" y="876300"/>
-            <a:ext cx="7226300" cy="3962400"/>
+            <a:off x="897309" y="931491"/>
+            <a:ext cx="7715574" cy="3416320"/>
           </a:xfrm>
           <a:prstGeom prst="rect">
             <a:avLst/>
           </a:prstGeom>
+          <a:noFill/>
           <a:ln>
             <a:solidFill>
               <a:schemeClr val="accent1"/>
             </a:solidFill>
           </a:ln>
         </p:spPr>
-      </p:pic>
+        <p:txBody>
+          <a:bodyPr wrap="none" rtlCol="0">
+            <a:spAutoFit/>
+          </a:bodyPr>
+          <a:lstStyle/>
+          <a:p>
+            <a:r>
+              <a:rPr kumimoji="1" lang="en" altLang="zh-TW" dirty="0">
+                <a:latin typeface="Menlo" panose="020B0609030804020204" pitchFamily="49" charset="0"/>
+                <a:ea typeface="Menlo" panose="020B0609030804020204" pitchFamily="49" charset="0"/>
+                <a:cs typeface="Menlo" panose="020B0609030804020204" pitchFamily="49" charset="0"/>
+              </a:rPr>
+              <a:t>while True:</a:t>
+            </a:r>
+          </a:p>
+          <a:p>
+            <a:r>
+              <a:rPr kumimoji="1" lang="en" altLang="zh-TW" dirty="0">
+                <a:latin typeface="Menlo" panose="020B0609030804020204" pitchFamily="49" charset="0"/>
+                <a:ea typeface="Menlo" panose="020B0609030804020204" pitchFamily="49" charset="0"/>
+                <a:cs typeface="Menlo" panose="020B0609030804020204" pitchFamily="49" charset="0"/>
+              </a:rPr>
+              <a:t>    try:</a:t>
+            </a:r>
+          </a:p>
+          <a:p>
+            <a:r>
+              <a:rPr kumimoji="1" lang="en" altLang="zh-TW" dirty="0">
+                <a:latin typeface="Menlo" panose="020B0609030804020204" pitchFamily="49" charset="0"/>
+                <a:ea typeface="Menlo" panose="020B0609030804020204" pitchFamily="49" charset="0"/>
+                <a:cs typeface="Menlo" panose="020B0609030804020204" pitchFamily="49" charset="0"/>
+              </a:rPr>
+              <a:t>        </a:t>
+            </a:r>
+            <a:r>
+              <a:rPr kumimoji="1" lang="en" altLang="zh-TW" dirty="0" err="1">
+                <a:latin typeface="Menlo" panose="020B0609030804020204" pitchFamily="49" charset="0"/>
+                <a:ea typeface="Menlo" panose="020B0609030804020204" pitchFamily="49" charset="0"/>
+                <a:cs typeface="Menlo" panose="020B0609030804020204" pitchFamily="49" charset="0"/>
+              </a:rPr>
+              <a:t>nums</a:t>
+            </a:r>
+            <a:r>
+              <a:rPr kumimoji="1" lang="en" altLang="zh-TW" dirty="0">
+                <a:latin typeface="Menlo" panose="020B0609030804020204" pitchFamily="49" charset="0"/>
+                <a:ea typeface="Menlo" panose="020B0609030804020204" pitchFamily="49" charset="0"/>
+                <a:cs typeface="Menlo" panose="020B0609030804020204" pitchFamily="49" charset="0"/>
+              </a:rPr>
+              <a:t> = list(map(int, input().strip().split()))</a:t>
+            </a:r>
+          </a:p>
+          <a:p>
+            <a:r>
+              <a:rPr kumimoji="1" lang="en" altLang="zh-TW" dirty="0">
+                <a:latin typeface="Menlo" panose="020B0609030804020204" pitchFamily="49" charset="0"/>
+                <a:ea typeface="Menlo" panose="020B0609030804020204" pitchFamily="49" charset="0"/>
+                <a:cs typeface="Menlo" panose="020B0609030804020204" pitchFamily="49" charset="0"/>
+              </a:rPr>
+              <a:t>        </a:t>
+            </a:r>
+          </a:p>
+          <a:p>
+            <a:r>
+              <a:rPr kumimoji="1" lang="en" altLang="zh-TW" dirty="0">
+                <a:latin typeface="Menlo" panose="020B0609030804020204" pitchFamily="49" charset="0"/>
+                <a:ea typeface="Menlo" panose="020B0609030804020204" pitchFamily="49" charset="0"/>
+                <a:cs typeface="Menlo" panose="020B0609030804020204" pitchFamily="49" charset="0"/>
+              </a:rPr>
+              <a:t>        for n in set(</a:t>
+            </a:r>
+            <a:r>
+              <a:rPr kumimoji="1" lang="en" altLang="zh-TW" dirty="0" err="1">
+                <a:latin typeface="Menlo" panose="020B0609030804020204" pitchFamily="49" charset="0"/>
+                <a:ea typeface="Menlo" panose="020B0609030804020204" pitchFamily="49" charset="0"/>
+                <a:cs typeface="Menlo" panose="020B0609030804020204" pitchFamily="49" charset="0"/>
+              </a:rPr>
+              <a:t>nums</a:t>
+            </a:r>
+            <a:r>
+              <a:rPr kumimoji="1" lang="en" altLang="zh-TW" dirty="0">
+                <a:latin typeface="Menlo" panose="020B0609030804020204" pitchFamily="49" charset="0"/>
+                <a:ea typeface="Menlo" panose="020B0609030804020204" pitchFamily="49" charset="0"/>
+                <a:cs typeface="Menlo" panose="020B0609030804020204" pitchFamily="49" charset="0"/>
+              </a:rPr>
+              <a:t>):</a:t>
+            </a:r>
+          </a:p>
+          <a:p>
+            <a:r>
+              <a:rPr kumimoji="1" lang="en" altLang="zh-TW" dirty="0">
+                <a:latin typeface="Menlo" panose="020B0609030804020204" pitchFamily="49" charset="0"/>
+                <a:ea typeface="Menlo" panose="020B0609030804020204" pitchFamily="49" charset="0"/>
+                <a:cs typeface="Menlo" panose="020B0609030804020204" pitchFamily="49" charset="0"/>
+              </a:rPr>
+              <a:t>            if </a:t>
+            </a:r>
+            <a:r>
+              <a:rPr kumimoji="1" lang="en" altLang="zh-TW" dirty="0" err="1">
+                <a:solidFill>
+                  <a:srgbClr val="FF0000"/>
+                </a:solidFill>
+                <a:latin typeface="Menlo" panose="020B0609030804020204" pitchFamily="49" charset="0"/>
+                <a:ea typeface="Menlo" panose="020B0609030804020204" pitchFamily="49" charset="0"/>
+                <a:cs typeface="Menlo" panose="020B0609030804020204" pitchFamily="49" charset="0"/>
+              </a:rPr>
+              <a:t>nums.count</a:t>
+            </a:r>
+            <a:r>
+              <a:rPr kumimoji="1" lang="en" altLang="zh-TW" dirty="0">
+                <a:solidFill>
+                  <a:srgbClr val="FF0000"/>
+                </a:solidFill>
+                <a:latin typeface="Menlo" panose="020B0609030804020204" pitchFamily="49" charset="0"/>
+                <a:ea typeface="Menlo" panose="020B0609030804020204" pitchFamily="49" charset="0"/>
+                <a:cs typeface="Menlo" panose="020B0609030804020204" pitchFamily="49" charset="0"/>
+              </a:rPr>
+              <a:t>(n) &gt; </a:t>
+            </a:r>
+            <a:r>
+              <a:rPr kumimoji="1" lang="en" altLang="zh-TW" dirty="0" err="1">
+                <a:solidFill>
+                  <a:srgbClr val="FF0000"/>
+                </a:solidFill>
+                <a:latin typeface="Menlo" panose="020B0609030804020204" pitchFamily="49" charset="0"/>
+                <a:ea typeface="Menlo" panose="020B0609030804020204" pitchFamily="49" charset="0"/>
+                <a:cs typeface="Menlo" panose="020B0609030804020204" pitchFamily="49" charset="0"/>
+              </a:rPr>
+              <a:t>len</a:t>
+            </a:r>
+            <a:r>
+              <a:rPr kumimoji="1" lang="en" altLang="zh-TW" dirty="0">
+                <a:solidFill>
+                  <a:srgbClr val="FF0000"/>
+                </a:solidFill>
+                <a:latin typeface="Menlo" panose="020B0609030804020204" pitchFamily="49" charset="0"/>
+                <a:ea typeface="Menlo" panose="020B0609030804020204" pitchFamily="49" charset="0"/>
+                <a:cs typeface="Menlo" panose="020B0609030804020204" pitchFamily="49" charset="0"/>
+              </a:rPr>
+              <a:t>(</a:t>
+            </a:r>
+            <a:r>
+              <a:rPr kumimoji="1" lang="en" altLang="zh-TW" dirty="0" err="1">
+                <a:solidFill>
+                  <a:srgbClr val="FF0000"/>
+                </a:solidFill>
+                <a:latin typeface="Menlo" panose="020B0609030804020204" pitchFamily="49" charset="0"/>
+                <a:ea typeface="Menlo" panose="020B0609030804020204" pitchFamily="49" charset="0"/>
+                <a:cs typeface="Menlo" panose="020B0609030804020204" pitchFamily="49" charset="0"/>
+              </a:rPr>
+              <a:t>nums</a:t>
+            </a:r>
+            <a:r>
+              <a:rPr kumimoji="1" lang="en" altLang="zh-TW" dirty="0">
+                <a:solidFill>
+                  <a:srgbClr val="FF0000"/>
+                </a:solidFill>
+                <a:latin typeface="Menlo" panose="020B0609030804020204" pitchFamily="49" charset="0"/>
+                <a:ea typeface="Menlo" panose="020B0609030804020204" pitchFamily="49" charset="0"/>
+                <a:cs typeface="Menlo" panose="020B0609030804020204" pitchFamily="49" charset="0"/>
+              </a:rPr>
+              <a:t>) // 2</a:t>
+            </a:r>
+            <a:r>
+              <a:rPr kumimoji="1" lang="en" altLang="zh-TW" dirty="0">
+                <a:latin typeface="Menlo" panose="020B0609030804020204" pitchFamily="49" charset="0"/>
+                <a:ea typeface="Menlo" panose="020B0609030804020204" pitchFamily="49" charset="0"/>
+                <a:cs typeface="Menlo" panose="020B0609030804020204" pitchFamily="49" charset="0"/>
+              </a:rPr>
+              <a:t>:</a:t>
+            </a:r>
+          </a:p>
+          <a:p>
+            <a:r>
+              <a:rPr kumimoji="1" lang="en" altLang="zh-TW" dirty="0">
+                <a:latin typeface="Menlo" panose="020B0609030804020204" pitchFamily="49" charset="0"/>
+                <a:ea typeface="Menlo" panose="020B0609030804020204" pitchFamily="49" charset="0"/>
+                <a:cs typeface="Menlo" panose="020B0609030804020204" pitchFamily="49" charset="0"/>
+              </a:rPr>
+              <a:t>                print(n)</a:t>
+            </a:r>
+          </a:p>
+          <a:p>
+            <a:r>
+              <a:rPr kumimoji="1" lang="en" altLang="zh-TW" dirty="0">
+                <a:latin typeface="Menlo" panose="020B0609030804020204" pitchFamily="49" charset="0"/>
+                <a:ea typeface="Menlo" panose="020B0609030804020204" pitchFamily="49" charset="0"/>
+                <a:cs typeface="Menlo" panose="020B0609030804020204" pitchFamily="49" charset="0"/>
+              </a:rPr>
+              <a:t>                break</a:t>
+            </a:r>
+          </a:p>
+          <a:p>
+            <a:r>
+              <a:rPr kumimoji="1" lang="en" altLang="zh-TW" dirty="0">
+                <a:latin typeface="Menlo" panose="020B0609030804020204" pitchFamily="49" charset="0"/>
+                <a:ea typeface="Menlo" panose="020B0609030804020204" pitchFamily="49" charset="0"/>
+                <a:cs typeface="Menlo" panose="020B0609030804020204" pitchFamily="49" charset="0"/>
+              </a:rPr>
+              <a:t>        else:</a:t>
+            </a:r>
+          </a:p>
+          <a:p>
+            <a:r>
+              <a:rPr kumimoji="1" lang="en" altLang="zh-TW" dirty="0">
+                <a:latin typeface="Menlo" panose="020B0609030804020204" pitchFamily="49" charset="0"/>
+                <a:ea typeface="Menlo" panose="020B0609030804020204" pitchFamily="49" charset="0"/>
+                <a:cs typeface="Menlo" panose="020B0609030804020204" pitchFamily="49" charset="0"/>
+              </a:rPr>
+              <a:t>            print('NO')</a:t>
+            </a:r>
+          </a:p>
+          <a:p>
+            <a:r>
+              <a:rPr kumimoji="1" lang="en" altLang="zh-TW" dirty="0">
+                <a:latin typeface="Menlo" panose="020B0609030804020204" pitchFamily="49" charset="0"/>
+                <a:ea typeface="Menlo" panose="020B0609030804020204" pitchFamily="49" charset="0"/>
+                <a:cs typeface="Menlo" panose="020B0609030804020204" pitchFamily="49" charset="0"/>
+              </a:rPr>
+              <a:t>    except:</a:t>
+            </a:r>
+          </a:p>
+          <a:p>
+            <a:r>
+              <a:rPr kumimoji="1" lang="en" altLang="zh-TW" dirty="0">
+                <a:latin typeface="Menlo" panose="020B0609030804020204" pitchFamily="49" charset="0"/>
+                <a:ea typeface="Menlo" panose="020B0609030804020204" pitchFamily="49" charset="0"/>
+                <a:cs typeface="Menlo" panose="020B0609030804020204" pitchFamily="49" charset="0"/>
+              </a:rPr>
+              <a:t>        break</a:t>
+            </a:r>
+            <a:endParaRPr kumimoji="1" lang="zh-TW" altLang="en-US" dirty="0">
+              <a:latin typeface="Menlo" panose="020B0609030804020204" pitchFamily="49" charset="0"/>
+              <a:cs typeface="Menlo" panose="020B0609030804020204" pitchFamily="49" charset="0"/>
+            </a:endParaRPr>
+          </a:p>
+        </p:txBody>
+      </p:sp>
     </p:spTree>
     <p:extLst>
       <p:ext uri="{BB962C8B-B14F-4D97-AF65-F5344CB8AC3E}">
@@ -21172,41 +21529,527 @@
           <a:chExt cx="0" cy="0"/>
         </a:xfrm>
       </p:grpSpPr>
-      <p:pic>
-        <p:nvPicPr>
-          <p:cNvPr id="5" name="圖片 4">
+      <p:sp>
+        <p:nvSpPr>
+          <p:cNvPr id="2" name="文字方塊 1">
             <a:extLst>
               <a:ext uri="{FF2B5EF4-FFF2-40B4-BE49-F238E27FC236}">
-                <a16:creationId xmlns:a16="http://schemas.microsoft.com/office/drawing/2014/main" id="{8755B8E8-9909-1E4A-9B3B-3F5D9EC50943}"/>
+                <a16:creationId xmlns:a16="http://schemas.microsoft.com/office/drawing/2014/main" id="{D60CF384-9042-5248-9529-4AA60363F653}"/>
               </a:ext>
             </a:extLst>
           </p:cNvPr>
-          <p:cNvPicPr>
-            <a:picLocks noChangeAspect="1"/>
-          </p:cNvPicPr>
+          <p:cNvSpPr txBox="1"/>
           <p:nvPr/>
-        </p:nvPicPr>
-        <p:blipFill>
-          <a:blip r:embed="rId2"/>
-          <a:stretch>
-            <a:fillRect/>
-          </a:stretch>
-        </p:blipFill>
+        </p:nvSpPr>
         <p:spPr>
           <a:xfrm>
-            <a:off x="492217" y="0"/>
-            <a:ext cx="8159566" cy="5715000"/>
+            <a:off x="666924" y="529840"/>
+            <a:ext cx="7810151" cy="4401205"/>
           </a:xfrm>
           <a:prstGeom prst="rect">
             <a:avLst/>
           </a:prstGeom>
+          <a:noFill/>
           <a:ln>
             <a:solidFill>
               <a:schemeClr val="accent1"/>
             </a:solidFill>
           </a:ln>
         </p:spPr>
-      </p:pic>
+        <p:txBody>
+          <a:bodyPr wrap="none" rtlCol="0">
+            <a:spAutoFit/>
+          </a:bodyPr>
+          <a:lstStyle/>
+          <a:p>
+            <a:r>
+              <a:rPr kumimoji="1" lang="en" altLang="zh-TW" sz="1400" dirty="0">
+                <a:latin typeface="Menlo" panose="020B0609030804020204" pitchFamily="49" charset="0"/>
+                <a:ea typeface="Menlo" panose="020B0609030804020204" pitchFamily="49" charset="0"/>
+                <a:cs typeface="Menlo" panose="020B0609030804020204" pitchFamily="49" charset="0"/>
+              </a:rPr>
+              <a:t>while True:</a:t>
+            </a:r>
+          </a:p>
+          <a:p>
+            <a:r>
+              <a:rPr kumimoji="1" lang="en" altLang="zh-TW" sz="1400" dirty="0">
+                <a:latin typeface="Menlo" panose="020B0609030804020204" pitchFamily="49" charset="0"/>
+                <a:ea typeface="Menlo" panose="020B0609030804020204" pitchFamily="49" charset="0"/>
+                <a:cs typeface="Menlo" panose="020B0609030804020204" pitchFamily="49" charset="0"/>
+              </a:rPr>
+              <a:t>    try:</a:t>
+            </a:r>
+          </a:p>
+          <a:p>
+            <a:r>
+              <a:rPr kumimoji="1" lang="en" altLang="zh-TW" sz="1400" dirty="0">
+                <a:latin typeface="Menlo" panose="020B0609030804020204" pitchFamily="49" charset="0"/>
+                <a:ea typeface="Menlo" panose="020B0609030804020204" pitchFamily="49" charset="0"/>
+                <a:cs typeface="Menlo" panose="020B0609030804020204" pitchFamily="49" charset="0"/>
+              </a:rPr>
+              <a:t>        S = list(input())</a:t>
+            </a:r>
+          </a:p>
+          <a:p>
+            <a:r>
+              <a:rPr kumimoji="1" lang="en" altLang="zh-TW" sz="1400" dirty="0">
+                <a:latin typeface="Menlo" panose="020B0609030804020204" pitchFamily="49" charset="0"/>
+                <a:ea typeface="Menlo" panose="020B0609030804020204" pitchFamily="49" charset="0"/>
+                <a:cs typeface="Menlo" panose="020B0609030804020204" pitchFamily="49" charset="0"/>
+              </a:rPr>
+              <a:t>        n = int(input())</a:t>
+            </a:r>
+          </a:p>
+          <a:p>
+            <a:r>
+              <a:rPr kumimoji="1" lang="en" altLang="zh-TW" sz="1400" dirty="0">
+                <a:latin typeface="Menlo" panose="020B0609030804020204" pitchFamily="49" charset="0"/>
+                <a:ea typeface="Menlo" panose="020B0609030804020204" pitchFamily="49" charset="0"/>
+                <a:cs typeface="Menlo" panose="020B0609030804020204" pitchFamily="49" charset="0"/>
+              </a:rPr>
+              <a:t>        res = ''</a:t>
+            </a:r>
+          </a:p>
+          <a:p>
+            <a:r>
+              <a:rPr kumimoji="1" lang="en" altLang="zh-TW" sz="1400" dirty="0">
+                <a:latin typeface="Menlo" panose="020B0609030804020204" pitchFamily="49" charset="0"/>
+                <a:ea typeface="Menlo" panose="020B0609030804020204" pitchFamily="49" charset="0"/>
+                <a:cs typeface="Menlo" panose="020B0609030804020204" pitchFamily="49" charset="0"/>
+              </a:rPr>
+              <a:t>        for c in S:</a:t>
+            </a:r>
+          </a:p>
+          <a:p>
+            <a:r>
+              <a:rPr kumimoji="1" lang="en" altLang="zh-TW" sz="1400" dirty="0">
+                <a:latin typeface="Menlo" panose="020B0609030804020204" pitchFamily="49" charset="0"/>
+                <a:ea typeface="Menlo" panose="020B0609030804020204" pitchFamily="49" charset="0"/>
+                <a:cs typeface="Menlo" panose="020B0609030804020204" pitchFamily="49" charset="0"/>
+              </a:rPr>
+              <a:t>            if </a:t>
+            </a:r>
+            <a:r>
+              <a:rPr kumimoji="1" lang="en" altLang="zh-TW" sz="1400" dirty="0" err="1">
+                <a:solidFill>
+                  <a:srgbClr val="FF0000"/>
+                </a:solidFill>
+                <a:latin typeface="Menlo" panose="020B0609030804020204" pitchFamily="49" charset="0"/>
+                <a:ea typeface="Menlo" panose="020B0609030804020204" pitchFamily="49" charset="0"/>
+                <a:cs typeface="Menlo" panose="020B0609030804020204" pitchFamily="49" charset="0"/>
+              </a:rPr>
+              <a:t>c.isalpha</a:t>
+            </a:r>
+            <a:r>
+              <a:rPr kumimoji="1" lang="en" altLang="zh-TW" sz="1400" dirty="0">
+                <a:latin typeface="Menlo" panose="020B0609030804020204" pitchFamily="49" charset="0"/>
+                <a:ea typeface="Menlo" panose="020B0609030804020204" pitchFamily="49" charset="0"/>
+                <a:cs typeface="Menlo" panose="020B0609030804020204" pitchFamily="49" charset="0"/>
+              </a:rPr>
+              <a:t>():</a:t>
+            </a:r>
+          </a:p>
+          <a:p>
+            <a:r>
+              <a:rPr kumimoji="1" lang="en" altLang="zh-TW" sz="1400" dirty="0">
+                <a:latin typeface="Menlo" panose="020B0609030804020204" pitchFamily="49" charset="0"/>
+                <a:ea typeface="Menlo" panose="020B0609030804020204" pitchFamily="49" charset="0"/>
+                <a:cs typeface="Menlo" panose="020B0609030804020204" pitchFamily="49" charset="0"/>
+              </a:rPr>
+              <a:t>                if </a:t>
+            </a:r>
+            <a:r>
+              <a:rPr kumimoji="1" lang="en" altLang="zh-TW" sz="1400" dirty="0" err="1">
+                <a:latin typeface="Menlo" panose="020B0609030804020204" pitchFamily="49" charset="0"/>
+                <a:ea typeface="Menlo" panose="020B0609030804020204" pitchFamily="49" charset="0"/>
+                <a:cs typeface="Menlo" panose="020B0609030804020204" pitchFamily="49" charset="0"/>
+              </a:rPr>
+              <a:t>c.islower</a:t>
+            </a:r>
+            <a:r>
+              <a:rPr kumimoji="1" lang="en" altLang="zh-TW" sz="1400" dirty="0">
+                <a:latin typeface="Menlo" panose="020B0609030804020204" pitchFamily="49" charset="0"/>
+                <a:ea typeface="Menlo" panose="020B0609030804020204" pitchFamily="49" charset="0"/>
+                <a:cs typeface="Menlo" panose="020B0609030804020204" pitchFamily="49" charset="0"/>
+              </a:rPr>
+              <a:t>():</a:t>
+            </a:r>
+          </a:p>
+          <a:p>
+            <a:r>
+              <a:rPr kumimoji="1" lang="en" altLang="zh-TW" sz="1400" dirty="0">
+                <a:latin typeface="Menlo" panose="020B0609030804020204" pitchFamily="49" charset="0"/>
+                <a:ea typeface="Menlo" panose="020B0609030804020204" pitchFamily="49" charset="0"/>
+                <a:cs typeface="Menlo" panose="020B0609030804020204" pitchFamily="49" charset="0"/>
+              </a:rPr>
+              <a:t>                    res += </a:t>
+            </a:r>
+            <a:r>
+              <a:rPr kumimoji="1" lang="en" altLang="zh-TW" sz="1400" dirty="0" err="1">
+                <a:solidFill>
+                  <a:srgbClr val="FF0000"/>
+                </a:solidFill>
+                <a:latin typeface="Menlo" panose="020B0609030804020204" pitchFamily="49" charset="0"/>
+                <a:ea typeface="Menlo" panose="020B0609030804020204" pitchFamily="49" charset="0"/>
+                <a:cs typeface="Menlo" panose="020B0609030804020204" pitchFamily="49" charset="0"/>
+              </a:rPr>
+              <a:t>chr</a:t>
+            </a:r>
+            <a:r>
+              <a:rPr kumimoji="1" lang="en" altLang="zh-TW" sz="1400" dirty="0">
+                <a:solidFill>
+                  <a:srgbClr val="FF0000"/>
+                </a:solidFill>
+                <a:latin typeface="Menlo" panose="020B0609030804020204" pitchFamily="49" charset="0"/>
+                <a:ea typeface="Menlo" panose="020B0609030804020204" pitchFamily="49" charset="0"/>
+                <a:cs typeface="Menlo" panose="020B0609030804020204" pitchFamily="49" charset="0"/>
+              </a:rPr>
+              <a:t>((</a:t>
+            </a:r>
+            <a:r>
+              <a:rPr kumimoji="1" lang="en" altLang="zh-TW" sz="1400" dirty="0" err="1">
+                <a:solidFill>
+                  <a:srgbClr val="FF0000"/>
+                </a:solidFill>
+                <a:latin typeface="Menlo" panose="020B0609030804020204" pitchFamily="49" charset="0"/>
+                <a:ea typeface="Menlo" panose="020B0609030804020204" pitchFamily="49" charset="0"/>
+                <a:cs typeface="Menlo" panose="020B0609030804020204" pitchFamily="49" charset="0"/>
+              </a:rPr>
+              <a:t>ord</a:t>
+            </a:r>
+            <a:r>
+              <a:rPr kumimoji="1" lang="en" altLang="zh-TW" sz="1400" dirty="0">
+                <a:solidFill>
+                  <a:srgbClr val="FF0000"/>
+                </a:solidFill>
+                <a:latin typeface="Menlo" panose="020B0609030804020204" pitchFamily="49" charset="0"/>
+                <a:ea typeface="Menlo" panose="020B0609030804020204" pitchFamily="49" charset="0"/>
+                <a:cs typeface="Menlo" panose="020B0609030804020204" pitchFamily="49" charset="0"/>
+              </a:rPr>
+              <a:t>(c) - </a:t>
+            </a:r>
+            <a:r>
+              <a:rPr kumimoji="1" lang="en" altLang="zh-TW" sz="1400" dirty="0" err="1">
+                <a:solidFill>
+                  <a:srgbClr val="FF0000"/>
+                </a:solidFill>
+                <a:latin typeface="Menlo" panose="020B0609030804020204" pitchFamily="49" charset="0"/>
+                <a:ea typeface="Menlo" panose="020B0609030804020204" pitchFamily="49" charset="0"/>
+                <a:cs typeface="Menlo" panose="020B0609030804020204" pitchFamily="49" charset="0"/>
+              </a:rPr>
+              <a:t>ord</a:t>
+            </a:r>
+            <a:r>
+              <a:rPr kumimoji="1" lang="en" altLang="zh-TW" sz="1400" dirty="0">
+                <a:solidFill>
+                  <a:srgbClr val="FF0000"/>
+                </a:solidFill>
+                <a:latin typeface="Menlo" panose="020B0609030804020204" pitchFamily="49" charset="0"/>
+                <a:ea typeface="Menlo" panose="020B0609030804020204" pitchFamily="49" charset="0"/>
+                <a:cs typeface="Menlo" panose="020B0609030804020204" pitchFamily="49" charset="0"/>
+              </a:rPr>
+              <a:t>('a') + n) % 26 + </a:t>
+            </a:r>
+            <a:r>
+              <a:rPr kumimoji="1" lang="en" altLang="zh-TW" sz="1400" dirty="0" err="1">
+                <a:solidFill>
+                  <a:srgbClr val="FF0000"/>
+                </a:solidFill>
+                <a:latin typeface="Menlo" panose="020B0609030804020204" pitchFamily="49" charset="0"/>
+                <a:ea typeface="Menlo" panose="020B0609030804020204" pitchFamily="49" charset="0"/>
+                <a:cs typeface="Menlo" panose="020B0609030804020204" pitchFamily="49" charset="0"/>
+              </a:rPr>
+              <a:t>ord</a:t>
+            </a:r>
+            <a:r>
+              <a:rPr kumimoji="1" lang="en" altLang="zh-TW" sz="1400" dirty="0">
+                <a:solidFill>
+                  <a:srgbClr val="FF0000"/>
+                </a:solidFill>
+                <a:latin typeface="Menlo" panose="020B0609030804020204" pitchFamily="49" charset="0"/>
+                <a:ea typeface="Menlo" panose="020B0609030804020204" pitchFamily="49" charset="0"/>
+                <a:cs typeface="Menlo" panose="020B0609030804020204" pitchFamily="49" charset="0"/>
+              </a:rPr>
+              <a:t>('a'))</a:t>
+            </a:r>
+          </a:p>
+          <a:p>
+            <a:r>
+              <a:rPr kumimoji="1" lang="en" altLang="zh-TW" sz="1400" dirty="0">
+                <a:latin typeface="Menlo" panose="020B0609030804020204" pitchFamily="49" charset="0"/>
+                <a:ea typeface="Menlo" panose="020B0609030804020204" pitchFamily="49" charset="0"/>
+                <a:cs typeface="Menlo" panose="020B0609030804020204" pitchFamily="49" charset="0"/>
+              </a:rPr>
+              <a:t>                else:</a:t>
+            </a:r>
+          </a:p>
+          <a:p>
+            <a:r>
+              <a:rPr kumimoji="1" lang="en" altLang="zh-TW" sz="1400" dirty="0">
+                <a:latin typeface="Menlo" panose="020B0609030804020204" pitchFamily="49" charset="0"/>
+                <a:ea typeface="Menlo" panose="020B0609030804020204" pitchFamily="49" charset="0"/>
+                <a:cs typeface="Menlo" panose="020B0609030804020204" pitchFamily="49" charset="0"/>
+              </a:rPr>
+              <a:t>                    res += </a:t>
+            </a:r>
+            <a:r>
+              <a:rPr kumimoji="1" lang="en" altLang="zh-TW" sz="1400" dirty="0" err="1">
+                <a:latin typeface="Menlo" panose="020B0609030804020204" pitchFamily="49" charset="0"/>
+                <a:ea typeface="Menlo" panose="020B0609030804020204" pitchFamily="49" charset="0"/>
+                <a:cs typeface="Menlo" panose="020B0609030804020204" pitchFamily="49" charset="0"/>
+              </a:rPr>
+              <a:t>chr</a:t>
+            </a:r>
+            <a:r>
+              <a:rPr kumimoji="1" lang="en" altLang="zh-TW" sz="1400" dirty="0">
+                <a:latin typeface="Menlo" panose="020B0609030804020204" pitchFamily="49" charset="0"/>
+                <a:ea typeface="Menlo" panose="020B0609030804020204" pitchFamily="49" charset="0"/>
+                <a:cs typeface="Menlo" panose="020B0609030804020204" pitchFamily="49" charset="0"/>
+              </a:rPr>
+              <a:t>((</a:t>
+            </a:r>
+            <a:r>
+              <a:rPr kumimoji="1" lang="en" altLang="zh-TW" sz="1400" dirty="0" err="1">
+                <a:latin typeface="Menlo" panose="020B0609030804020204" pitchFamily="49" charset="0"/>
+                <a:ea typeface="Menlo" panose="020B0609030804020204" pitchFamily="49" charset="0"/>
+                <a:cs typeface="Menlo" panose="020B0609030804020204" pitchFamily="49" charset="0"/>
+              </a:rPr>
+              <a:t>ord</a:t>
+            </a:r>
+            <a:r>
+              <a:rPr kumimoji="1" lang="en" altLang="zh-TW" sz="1400" dirty="0">
+                <a:latin typeface="Menlo" panose="020B0609030804020204" pitchFamily="49" charset="0"/>
+                <a:ea typeface="Menlo" panose="020B0609030804020204" pitchFamily="49" charset="0"/>
+                <a:cs typeface="Menlo" panose="020B0609030804020204" pitchFamily="49" charset="0"/>
+              </a:rPr>
+              <a:t>(c) - </a:t>
+            </a:r>
+            <a:r>
+              <a:rPr kumimoji="1" lang="en" altLang="zh-TW" sz="1400" dirty="0" err="1">
+                <a:latin typeface="Menlo" panose="020B0609030804020204" pitchFamily="49" charset="0"/>
+                <a:ea typeface="Menlo" panose="020B0609030804020204" pitchFamily="49" charset="0"/>
+                <a:cs typeface="Menlo" panose="020B0609030804020204" pitchFamily="49" charset="0"/>
+              </a:rPr>
+              <a:t>ord</a:t>
+            </a:r>
+            <a:r>
+              <a:rPr kumimoji="1" lang="en" altLang="zh-TW" sz="1400" dirty="0">
+                <a:latin typeface="Menlo" panose="020B0609030804020204" pitchFamily="49" charset="0"/>
+                <a:ea typeface="Menlo" panose="020B0609030804020204" pitchFamily="49" charset="0"/>
+                <a:cs typeface="Menlo" panose="020B0609030804020204" pitchFamily="49" charset="0"/>
+              </a:rPr>
+              <a:t>('A') + n) % 26 + </a:t>
+            </a:r>
+            <a:r>
+              <a:rPr kumimoji="1" lang="en" altLang="zh-TW" sz="1400" dirty="0" err="1">
+                <a:latin typeface="Menlo" panose="020B0609030804020204" pitchFamily="49" charset="0"/>
+                <a:ea typeface="Menlo" panose="020B0609030804020204" pitchFamily="49" charset="0"/>
+                <a:cs typeface="Menlo" panose="020B0609030804020204" pitchFamily="49" charset="0"/>
+              </a:rPr>
+              <a:t>ord</a:t>
+            </a:r>
+            <a:r>
+              <a:rPr kumimoji="1" lang="en" altLang="zh-TW" sz="1400" dirty="0">
+                <a:latin typeface="Menlo" panose="020B0609030804020204" pitchFamily="49" charset="0"/>
+                <a:ea typeface="Menlo" panose="020B0609030804020204" pitchFamily="49" charset="0"/>
+                <a:cs typeface="Menlo" panose="020B0609030804020204" pitchFamily="49" charset="0"/>
+              </a:rPr>
+              <a:t>('A'))</a:t>
+            </a:r>
+          </a:p>
+          <a:p>
+            <a:endParaRPr kumimoji="1" lang="en" altLang="zh-TW" sz="1400" dirty="0">
+              <a:latin typeface="Menlo" panose="020B0609030804020204" pitchFamily="49" charset="0"/>
+              <a:ea typeface="Menlo" panose="020B0609030804020204" pitchFamily="49" charset="0"/>
+              <a:cs typeface="Menlo" panose="020B0609030804020204" pitchFamily="49" charset="0"/>
+            </a:endParaRPr>
+          </a:p>
+          <a:p>
+            <a:r>
+              <a:rPr kumimoji="1" lang="en" altLang="zh-TW" sz="1400" dirty="0">
+                <a:latin typeface="Menlo" panose="020B0609030804020204" pitchFamily="49" charset="0"/>
+                <a:ea typeface="Menlo" panose="020B0609030804020204" pitchFamily="49" charset="0"/>
+                <a:cs typeface="Menlo" panose="020B0609030804020204" pitchFamily="49" charset="0"/>
+              </a:rPr>
+              <a:t>            </a:t>
+            </a:r>
+            <a:r>
+              <a:rPr kumimoji="1" lang="en" altLang="zh-TW" sz="1400" dirty="0" err="1">
+                <a:latin typeface="Menlo" panose="020B0609030804020204" pitchFamily="49" charset="0"/>
+                <a:ea typeface="Menlo" panose="020B0609030804020204" pitchFamily="49" charset="0"/>
+                <a:cs typeface="Menlo" panose="020B0609030804020204" pitchFamily="49" charset="0"/>
+              </a:rPr>
+              <a:t>elif</a:t>
+            </a:r>
+            <a:r>
+              <a:rPr kumimoji="1" lang="en" altLang="zh-TW" sz="1400" dirty="0">
+                <a:latin typeface="Menlo" panose="020B0609030804020204" pitchFamily="49" charset="0"/>
+                <a:ea typeface="Menlo" panose="020B0609030804020204" pitchFamily="49" charset="0"/>
+                <a:cs typeface="Menlo" panose="020B0609030804020204" pitchFamily="49" charset="0"/>
+              </a:rPr>
+              <a:t> </a:t>
+            </a:r>
+            <a:r>
+              <a:rPr kumimoji="1" lang="en" altLang="zh-TW" sz="1400" dirty="0" err="1">
+                <a:solidFill>
+                  <a:srgbClr val="FF0000"/>
+                </a:solidFill>
+                <a:latin typeface="Menlo" panose="020B0609030804020204" pitchFamily="49" charset="0"/>
+                <a:ea typeface="Menlo" panose="020B0609030804020204" pitchFamily="49" charset="0"/>
+                <a:cs typeface="Menlo" panose="020B0609030804020204" pitchFamily="49" charset="0"/>
+              </a:rPr>
+              <a:t>c.isdigit</a:t>
+            </a:r>
+            <a:r>
+              <a:rPr kumimoji="1" lang="en" altLang="zh-TW" sz="1400" dirty="0">
+                <a:latin typeface="Menlo" panose="020B0609030804020204" pitchFamily="49" charset="0"/>
+                <a:ea typeface="Menlo" panose="020B0609030804020204" pitchFamily="49" charset="0"/>
+                <a:cs typeface="Menlo" panose="020B0609030804020204" pitchFamily="49" charset="0"/>
+              </a:rPr>
+              <a:t>():</a:t>
+            </a:r>
+          </a:p>
+          <a:p>
+            <a:r>
+              <a:rPr kumimoji="1" lang="en" altLang="zh-TW" sz="1400" dirty="0">
+                <a:latin typeface="Menlo" panose="020B0609030804020204" pitchFamily="49" charset="0"/>
+                <a:ea typeface="Menlo" panose="020B0609030804020204" pitchFamily="49" charset="0"/>
+                <a:cs typeface="Menlo" panose="020B0609030804020204" pitchFamily="49" charset="0"/>
+              </a:rPr>
+              <a:t>                res += </a:t>
+            </a:r>
+            <a:r>
+              <a:rPr kumimoji="1" lang="en" altLang="zh-TW" sz="1400" dirty="0" err="1">
+                <a:latin typeface="Menlo" panose="020B0609030804020204" pitchFamily="49" charset="0"/>
+                <a:ea typeface="Menlo" panose="020B0609030804020204" pitchFamily="49" charset="0"/>
+                <a:cs typeface="Menlo" panose="020B0609030804020204" pitchFamily="49" charset="0"/>
+              </a:rPr>
+              <a:t>chr</a:t>
+            </a:r>
+            <a:r>
+              <a:rPr kumimoji="1" lang="en" altLang="zh-TW" sz="1400" dirty="0">
+                <a:latin typeface="Menlo" panose="020B0609030804020204" pitchFamily="49" charset="0"/>
+                <a:ea typeface="Menlo" panose="020B0609030804020204" pitchFamily="49" charset="0"/>
+                <a:cs typeface="Menlo" panose="020B0609030804020204" pitchFamily="49" charset="0"/>
+              </a:rPr>
+              <a:t>((</a:t>
+            </a:r>
+            <a:r>
+              <a:rPr kumimoji="1" lang="en" altLang="zh-TW" sz="1400" dirty="0" err="1">
+                <a:latin typeface="Menlo" panose="020B0609030804020204" pitchFamily="49" charset="0"/>
+                <a:ea typeface="Menlo" panose="020B0609030804020204" pitchFamily="49" charset="0"/>
+                <a:cs typeface="Menlo" panose="020B0609030804020204" pitchFamily="49" charset="0"/>
+              </a:rPr>
+              <a:t>ord</a:t>
+            </a:r>
+            <a:r>
+              <a:rPr kumimoji="1" lang="en" altLang="zh-TW" sz="1400" dirty="0">
+                <a:latin typeface="Menlo" panose="020B0609030804020204" pitchFamily="49" charset="0"/>
+                <a:ea typeface="Menlo" panose="020B0609030804020204" pitchFamily="49" charset="0"/>
+                <a:cs typeface="Menlo" panose="020B0609030804020204" pitchFamily="49" charset="0"/>
+              </a:rPr>
+              <a:t>(c) - </a:t>
+            </a:r>
+            <a:r>
+              <a:rPr kumimoji="1" lang="en" altLang="zh-TW" sz="1400" dirty="0" err="1">
+                <a:latin typeface="Menlo" panose="020B0609030804020204" pitchFamily="49" charset="0"/>
+                <a:ea typeface="Menlo" panose="020B0609030804020204" pitchFamily="49" charset="0"/>
+                <a:cs typeface="Menlo" panose="020B0609030804020204" pitchFamily="49" charset="0"/>
+              </a:rPr>
+              <a:t>ord</a:t>
+            </a:r>
+            <a:r>
+              <a:rPr kumimoji="1" lang="en" altLang="zh-TW" sz="1400" dirty="0">
+                <a:latin typeface="Menlo" panose="020B0609030804020204" pitchFamily="49" charset="0"/>
+                <a:ea typeface="Menlo" panose="020B0609030804020204" pitchFamily="49" charset="0"/>
+                <a:cs typeface="Menlo" panose="020B0609030804020204" pitchFamily="49" charset="0"/>
+              </a:rPr>
+              <a:t>('0') + n) % 10 + </a:t>
+            </a:r>
+            <a:r>
+              <a:rPr kumimoji="1" lang="en" altLang="zh-TW" sz="1400" dirty="0" err="1">
+                <a:latin typeface="Menlo" panose="020B0609030804020204" pitchFamily="49" charset="0"/>
+                <a:ea typeface="Menlo" panose="020B0609030804020204" pitchFamily="49" charset="0"/>
+                <a:cs typeface="Menlo" panose="020B0609030804020204" pitchFamily="49" charset="0"/>
+              </a:rPr>
+              <a:t>ord</a:t>
+            </a:r>
+            <a:r>
+              <a:rPr kumimoji="1" lang="en" altLang="zh-TW" sz="1400" dirty="0">
+                <a:latin typeface="Menlo" panose="020B0609030804020204" pitchFamily="49" charset="0"/>
+                <a:ea typeface="Menlo" panose="020B0609030804020204" pitchFamily="49" charset="0"/>
+                <a:cs typeface="Menlo" panose="020B0609030804020204" pitchFamily="49" charset="0"/>
+              </a:rPr>
+              <a:t>('0'))</a:t>
+            </a:r>
+          </a:p>
+          <a:p>
+            <a:r>
+              <a:rPr kumimoji="1" lang="en" altLang="zh-TW" sz="1400" dirty="0">
+                <a:latin typeface="Menlo" panose="020B0609030804020204" pitchFamily="49" charset="0"/>
+                <a:ea typeface="Menlo" panose="020B0609030804020204" pitchFamily="49" charset="0"/>
+                <a:cs typeface="Menlo" panose="020B0609030804020204" pitchFamily="49" charset="0"/>
+              </a:rPr>
+              <a:t>                </a:t>
+            </a:r>
+          </a:p>
+          <a:p>
+            <a:r>
+              <a:rPr kumimoji="1" lang="en" altLang="zh-TW" sz="1400" dirty="0">
+                <a:latin typeface="Menlo" panose="020B0609030804020204" pitchFamily="49" charset="0"/>
+                <a:ea typeface="Menlo" panose="020B0609030804020204" pitchFamily="49" charset="0"/>
+                <a:cs typeface="Menlo" panose="020B0609030804020204" pitchFamily="49" charset="0"/>
+              </a:rPr>
+              <a:t>            else:</a:t>
+            </a:r>
+          </a:p>
+          <a:p>
+            <a:r>
+              <a:rPr kumimoji="1" lang="en" altLang="zh-TW" sz="1400" dirty="0">
+                <a:latin typeface="Menlo" panose="020B0609030804020204" pitchFamily="49" charset="0"/>
+                <a:ea typeface="Menlo" panose="020B0609030804020204" pitchFamily="49" charset="0"/>
+                <a:cs typeface="Menlo" panose="020B0609030804020204" pitchFamily="49" charset="0"/>
+              </a:rPr>
+              <a:t>                res += c</a:t>
+            </a:r>
+          </a:p>
+          <a:p>
+            <a:r>
+              <a:rPr kumimoji="1" lang="en" altLang="zh-TW" sz="1400" dirty="0">
+                <a:latin typeface="Menlo" panose="020B0609030804020204" pitchFamily="49" charset="0"/>
+                <a:ea typeface="Menlo" panose="020B0609030804020204" pitchFamily="49" charset="0"/>
+                <a:cs typeface="Menlo" panose="020B0609030804020204" pitchFamily="49" charset="0"/>
+              </a:rPr>
+              <a:t>        print(res)</a:t>
+            </a:r>
+          </a:p>
+          <a:p>
+            <a:r>
+              <a:rPr kumimoji="1" lang="en" altLang="zh-TW" sz="1400" dirty="0">
+                <a:latin typeface="Menlo" panose="020B0609030804020204" pitchFamily="49" charset="0"/>
+                <a:ea typeface="Menlo" panose="020B0609030804020204" pitchFamily="49" charset="0"/>
+                <a:cs typeface="Menlo" panose="020B0609030804020204" pitchFamily="49" charset="0"/>
+              </a:rPr>
+              <a:t>    except:</a:t>
+            </a:r>
+          </a:p>
+          <a:p>
+            <a:r>
+              <a:rPr kumimoji="1" lang="en" altLang="zh-TW" sz="1400" dirty="0">
+                <a:latin typeface="Menlo" panose="020B0609030804020204" pitchFamily="49" charset="0"/>
+                <a:ea typeface="Menlo" panose="020B0609030804020204" pitchFamily="49" charset="0"/>
+                <a:cs typeface="Menlo" panose="020B0609030804020204" pitchFamily="49" charset="0"/>
+              </a:rPr>
+              <a:t>        break</a:t>
+            </a:r>
+            <a:endParaRPr kumimoji="1" lang="zh-TW" altLang="en-US" sz="1400" dirty="0">
+              <a:latin typeface="Menlo" panose="020B0609030804020204" pitchFamily="49" charset="0"/>
+              <a:cs typeface="Menlo" panose="020B0609030804020204" pitchFamily="49" charset="0"/>
+            </a:endParaRPr>
+          </a:p>
+        </p:txBody>
+      </p:sp>
     </p:spTree>
     <p:extLst>
       <p:ext uri="{BB962C8B-B14F-4D97-AF65-F5344CB8AC3E}">
